--- a/report/CPE_v2.pptx
+++ b/report/CPE_v2.pptx
@@ -4395,7 +4395,7 @@
           <p:nvPr>
             <p:extLst>
               <p:ext uri="{D42A27DB-BD31-4B8C-83A1-F6EECF244321}">
-                <p14:modId xmlns:p14="http://schemas.microsoft.com/office/powerpoint/2010/main" val="1709223152"/>
+                <p14:modId xmlns:p14="http://schemas.microsoft.com/office/powerpoint/2010/main" val="1229311266"/>
               </p:ext>
             </p:extLst>
           </p:nvPr>
@@ -5938,15 +5938,22 @@
                     <a:p>
                       <a:pPr rtl="0" fontAlgn="t"/>
                       <a:r>
-                        <a:rPr lang="en-US" sz="1800" b="1" dirty="0">
+                        <a:rPr lang="en-US" sz="1800" b="1">
                           <a:solidFill>
                             <a:srgbClr val="24292E"/>
                           </a:solidFill>
                           <a:effectLst/>
                           <a:latin typeface="Times" pitchFamily="2" charset="0"/>
                         </a:rPr>
-                        <a:t>31.25</a:t>
+                        <a:t>32.89</a:t>
                       </a:r>
+                      <a:endParaRPr lang="en-US" sz="1800" b="1" dirty="0">
+                        <a:solidFill>
+                          <a:srgbClr val="24292E"/>
+                        </a:solidFill>
+                        <a:effectLst/>
+                        <a:latin typeface="Times" pitchFamily="2" charset="0"/>
+                      </a:endParaRPr>
                     </a:p>
                   </a:txBody>
                   <a:tcPr marL="28575" marR="28575" marT="19050" marB="19050">
@@ -8171,7 +8178,7 @@
           <a:p>
             <a:r>
               <a:rPr lang="en-US" dirty="0"/>
-              <a:t>RQ3.1. Support Vector Machine Tuning</a:t>
+              <a:t>RQ 3.1. Support Vector Machine Tuning</a:t>
             </a:r>
           </a:p>
         </p:txBody>

--- a/report/CPE_v2.pptx
+++ b/report/CPE_v2.pptx
@@ -5,7 +5,7 @@
     <p:sldMasterId id="2147483648" r:id="rId1"/>
   </p:sldMasterIdLst>
   <p:notesMasterIdLst>
-    <p:notesMasterId r:id="rId18"/>
+    <p:notesMasterId r:id="rId19"/>
   </p:notesMasterIdLst>
   <p:sldIdLst>
     <p:sldId id="256" r:id="rId2"/>
@@ -16,14 +16,15 @@
     <p:sldId id="268" r:id="rId7"/>
     <p:sldId id="265" r:id="rId8"/>
     <p:sldId id="266" r:id="rId9"/>
-    <p:sldId id="257" r:id="rId10"/>
-    <p:sldId id="258" r:id="rId11"/>
-    <p:sldId id="269" r:id="rId12"/>
-    <p:sldId id="260" r:id="rId13"/>
-    <p:sldId id="270" r:id="rId14"/>
-    <p:sldId id="273" r:id="rId15"/>
-    <p:sldId id="271" r:id="rId16"/>
-    <p:sldId id="272" r:id="rId17"/>
+    <p:sldId id="274" r:id="rId10"/>
+    <p:sldId id="257" r:id="rId11"/>
+    <p:sldId id="258" r:id="rId12"/>
+    <p:sldId id="269" r:id="rId13"/>
+    <p:sldId id="260" r:id="rId14"/>
+    <p:sldId id="270" r:id="rId15"/>
+    <p:sldId id="273" r:id="rId16"/>
+    <p:sldId id="271" r:id="rId17"/>
+    <p:sldId id="272" r:id="rId18"/>
   </p:sldIdLst>
   <p:sldSz cx="12192000" cy="6858000"/>
   <p:notesSz cx="6858000" cy="9144000"/>
@@ -212,7 +213,7 @@
           <a:p>
             <a:fld id="{A6369B24-DDDA-904E-BFF3-CFB80CE68407}" type="datetimeFigureOut">
               <a:rPr lang="en-US" smtClean="0"/>
-              <a:t>4/21/20</a:t>
+              <a:t>5/5/20</a:t>
             </a:fld>
             <a:endParaRPr lang="en-US"/>
           </a:p>
@@ -544,7 +545,7 @@
           <a:p>
             <a:fld id="{89418790-B87D-FE4E-889F-F9724E52B37F}" type="slidenum">
               <a:rPr lang="en-US" smtClean="0"/>
-              <a:t>12</a:t>
+              <a:t>13</a:t>
             </a:fld>
             <a:endParaRPr lang="en-US"/>
           </a:p>
@@ -628,7 +629,7 @@
           <a:p>
             <a:fld id="{89418790-B87D-FE4E-889F-F9724E52B37F}" type="slidenum">
               <a:rPr lang="en-US" smtClean="0"/>
-              <a:t>13</a:t>
+              <a:t>14</a:t>
             </a:fld>
             <a:endParaRPr lang="en-US"/>
           </a:p>
@@ -712,7 +713,7 @@
           <a:p>
             <a:fld id="{89418790-B87D-FE4E-889F-F9724E52B37F}" type="slidenum">
               <a:rPr lang="en-US" smtClean="0"/>
-              <a:t>14</a:t>
+              <a:t>15</a:t>
             </a:fld>
             <a:endParaRPr lang="en-US"/>
           </a:p>
@@ -878,7 +879,7 @@
           <a:p>
             <a:fld id="{88220DC1-6326-0C49-9746-D9F065A0CFC1}" type="datetimeFigureOut">
               <a:rPr lang="en-US" smtClean="0"/>
-              <a:t>4/21/20</a:t>
+              <a:t>5/5/20</a:t>
             </a:fld>
             <a:endParaRPr lang="en-US"/>
           </a:p>
@@ -1076,7 +1077,7 @@
           <a:p>
             <a:fld id="{88220DC1-6326-0C49-9746-D9F065A0CFC1}" type="datetimeFigureOut">
               <a:rPr lang="en-US" smtClean="0"/>
-              <a:t>4/21/20</a:t>
+              <a:t>5/5/20</a:t>
             </a:fld>
             <a:endParaRPr lang="en-US"/>
           </a:p>
@@ -1284,7 +1285,7 @@
           <a:p>
             <a:fld id="{88220DC1-6326-0C49-9746-D9F065A0CFC1}" type="datetimeFigureOut">
               <a:rPr lang="en-US" smtClean="0"/>
-              <a:t>4/21/20</a:t>
+              <a:t>5/5/20</a:t>
             </a:fld>
             <a:endParaRPr lang="en-US"/>
           </a:p>
@@ -1482,7 +1483,7 @@
           <a:p>
             <a:fld id="{88220DC1-6326-0C49-9746-D9F065A0CFC1}" type="datetimeFigureOut">
               <a:rPr lang="en-US" smtClean="0"/>
-              <a:t>4/21/20</a:t>
+              <a:t>5/5/20</a:t>
             </a:fld>
             <a:endParaRPr lang="en-US"/>
           </a:p>
@@ -1757,7 +1758,7 @@
           <a:p>
             <a:fld id="{88220DC1-6326-0C49-9746-D9F065A0CFC1}" type="datetimeFigureOut">
               <a:rPr lang="en-US" smtClean="0"/>
-              <a:t>4/21/20</a:t>
+              <a:t>5/5/20</a:t>
             </a:fld>
             <a:endParaRPr lang="en-US"/>
           </a:p>
@@ -2022,7 +2023,7 @@
           <a:p>
             <a:fld id="{88220DC1-6326-0C49-9746-D9F065A0CFC1}" type="datetimeFigureOut">
               <a:rPr lang="en-US" smtClean="0"/>
-              <a:t>4/21/20</a:t>
+              <a:t>5/5/20</a:t>
             </a:fld>
             <a:endParaRPr lang="en-US"/>
           </a:p>
@@ -2434,7 +2435,7 @@
           <a:p>
             <a:fld id="{88220DC1-6326-0C49-9746-D9F065A0CFC1}" type="datetimeFigureOut">
               <a:rPr lang="en-US" smtClean="0"/>
-              <a:t>4/21/20</a:t>
+              <a:t>5/5/20</a:t>
             </a:fld>
             <a:endParaRPr lang="en-US"/>
           </a:p>
@@ -2575,7 +2576,7 @@
           <a:p>
             <a:fld id="{88220DC1-6326-0C49-9746-D9F065A0CFC1}" type="datetimeFigureOut">
               <a:rPr lang="en-US" smtClean="0"/>
-              <a:t>4/21/20</a:t>
+              <a:t>5/5/20</a:t>
             </a:fld>
             <a:endParaRPr lang="en-US"/>
           </a:p>
@@ -2688,7 +2689,7 @@
           <a:p>
             <a:fld id="{88220DC1-6326-0C49-9746-D9F065A0CFC1}" type="datetimeFigureOut">
               <a:rPr lang="en-US" smtClean="0"/>
-              <a:t>4/21/20</a:t>
+              <a:t>5/5/20</a:t>
             </a:fld>
             <a:endParaRPr lang="en-US"/>
           </a:p>
@@ -2999,7 +3000,7 @@
           <a:p>
             <a:fld id="{88220DC1-6326-0C49-9746-D9F065A0CFC1}" type="datetimeFigureOut">
               <a:rPr lang="en-US" smtClean="0"/>
-              <a:t>4/21/20</a:t>
+              <a:t>5/5/20</a:t>
             </a:fld>
             <a:endParaRPr lang="en-US"/>
           </a:p>
@@ -3287,7 +3288,7 @@
           <a:p>
             <a:fld id="{88220DC1-6326-0C49-9746-D9F065A0CFC1}" type="datetimeFigureOut">
               <a:rPr lang="en-US" smtClean="0"/>
-              <a:t>4/21/20</a:t>
+              <a:t>5/5/20</a:t>
             </a:fld>
             <a:endParaRPr lang="en-US"/>
           </a:p>
@@ -3528,7 +3529,7 @@
           <a:p>
             <a:fld id="{88220DC1-6326-0C49-9746-D9F065A0CFC1}" type="datetimeFigureOut">
               <a:rPr lang="en-US" smtClean="0"/>
-              <a:t>4/21/20</a:t>
+              <a:t>5/5/20</a:t>
             </a:fld>
             <a:endParaRPr lang="en-US"/>
           </a:p>
@@ -3996,7 +3997,36 @@
           <a:bodyPr/>
           <a:lstStyle/>
           <a:p>
-            <a:endParaRPr lang="en-US"/>
+            <a:r>
+              <a:rPr lang="en-US" dirty="0"/>
+              <a:t>Hung Phan (</a:t>
+            </a:r>
+            <a:r>
+              <a:rPr lang="en-US" dirty="0">
+                <a:hlinkClick r:id="rId2"/>
+              </a:rPr>
+              <a:t>hungphd@iastate.edu</a:t>
+            </a:r>
+            <a:r>
+              <a:rPr lang="en-US" dirty="0"/>
+              <a:t> )</a:t>
+            </a:r>
+          </a:p>
+          <a:p>
+            <a:r>
+              <a:rPr lang="en-US" dirty="0"/>
+              <a:t>Iowa State University - COMS 574 Course Project</a:t>
+            </a:r>
+          </a:p>
+          <a:p>
+            <a:r>
+              <a:rPr lang="en-US" dirty="0" err="1"/>
+              <a:t>Github</a:t>
+            </a:r>
+            <a:r>
+              <a:rPr lang="en-US" dirty="0"/>
+              <a:t>: </a:t>
+            </a:r>
           </a:p>
         </p:txBody>
       </p:sp>
@@ -4035,6 +4065,144 @@
           <p:cNvPr id="2" name="Title 1">
             <a:extLst>
               <a:ext uri="{FF2B5EF4-FFF2-40B4-BE49-F238E27FC236}">
+                <a16:creationId xmlns:a16="http://schemas.microsoft.com/office/drawing/2014/main" id="{28939157-5227-674C-8D28-7C90AEFE0F37}"/>
+              </a:ext>
+            </a:extLst>
+          </p:cNvPr>
+          <p:cNvSpPr>
+            <a:spLocks noGrp="1"/>
+          </p:cNvSpPr>
+          <p:nvPr>
+            <p:ph type="title"/>
+          </p:nvPr>
+        </p:nvSpPr>
+        <p:spPr/>
+        <p:txBody>
+          <a:bodyPr/>
+          <a:lstStyle/>
+          <a:p>
+            <a:r>
+              <a:rPr lang="en-US" dirty="0"/>
+              <a:t>Results</a:t>
+            </a:r>
+          </a:p>
+        </p:txBody>
+      </p:sp>
+      <p:sp>
+        <p:nvSpPr>
+          <p:cNvPr id="3" name="Content Placeholder 2">
+            <a:extLst>
+              <a:ext uri="{FF2B5EF4-FFF2-40B4-BE49-F238E27FC236}">
+                <a16:creationId xmlns:a16="http://schemas.microsoft.com/office/drawing/2014/main" id="{3FBC22AB-2CC7-8B46-9CC1-63FE5D348D58}"/>
+              </a:ext>
+            </a:extLst>
+          </p:cNvPr>
+          <p:cNvSpPr>
+            <a:spLocks noGrp="1"/>
+          </p:cNvSpPr>
+          <p:nvPr>
+            <p:ph idx="1"/>
+          </p:nvPr>
+        </p:nvSpPr>
+        <p:spPr/>
+        <p:txBody>
+          <a:bodyPr/>
+          <a:lstStyle/>
+          <a:p>
+            <a:pPr marL="514350" indent="-514350">
+              <a:buFont typeface="+mj-lt"/>
+              <a:buAutoNum type="arabicPeriod"/>
+            </a:pPr>
+            <a:r>
+              <a:rPr lang="en-US" dirty="0"/>
+              <a:t>RQ1: Accuracy on Popularity Level Classification.</a:t>
+            </a:r>
+          </a:p>
+          <a:p>
+            <a:pPr marL="514350" indent="-514350">
+              <a:buFont typeface="+mj-lt"/>
+              <a:buAutoNum type="arabicPeriod"/>
+            </a:pPr>
+            <a:r>
+              <a:rPr lang="en-US" dirty="0"/>
+              <a:t>RQ2: Accuracy on Popularity Prediction.</a:t>
+            </a:r>
+          </a:p>
+          <a:p>
+            <a:pPr marL="514350" indent="-514350">
+              <a:buFont typeface="+mj-lt"/>
+              <a:buAutoNum type="arabicPeriod"/>
+            </a:pPr>
+            <a:r>
+              <a:rPr lang="en-US" dirty="0"/>
+              <a:t>RQ3: Tuning on Hyper Parameters of Best ML model.</a:t>
+            </a:r>
+          </a:p>
+          <a:p>
+            <a:pPr marL="971550" lvl="1" indent="-514350">
+              <a:buFont typeface="+mj-lt"/>
+              <a:buAutoNum type="arabicPeriod"/>
+            </a:pPr>
+            <a:r>
+              <a:rPr lang="en-US" dirty="0"/>
+              <a:t>RQ 3.1: SVC Classification.</a:t>
+            </a:r>
+          </a:p>
+          <a:p>
+            <a:pPr marL="971550" lvl="1" indent="-514350">
+              <a:buFont typeface="+mj-lt"/>
+              <a:buAutoNum type="arabicPeriod"/>
+            </a:pPr>
+            <a:r>
+              <a:rPr lang="en-US" dirty="0"/>
+              <a:t>RQ 3.2: </a:t>
+            </a:r>
+            <a:r>
+              <a:rPr lang="en-US" dirty="0" err="1"/>
+              <a:t>XGBoostRegressor</a:t>
+            </a:r>
+            <a:r>
+              <a:rPr lang="en-US" dirty="0"/>
+              <a:t>.</a:t>
+            </a:r>
+          </a:p>
+        </p:txBody>
+      </p:sp>
+    </p:spTree>
+    <p:extLst>
+      <p:ext uri="{BB962C8B-B14F-4D97-AF65-F5344CB8AC3E}">
+        <p14:creationId xmlns:p14="http://schemas.microsoft.com/office/powerpoint/2010/main" val="87606575"/>
+      </p:ext>
+    </p:extLst>
+  </p:cSld>
+  <p:clrMapOvr>
+    <a:masterClrMapping/>
+  </p:clrMapOvr>
+</p:sld>
+</file>
+
+<file path=ppt/slides/slide11.xml><?xml version="1.0" encoding="utf-8"?>
+<p:sld xmlns:a="http://schemas.openxmlformats.org/drawingml/2006/main" xmlns:r="http://schemas.openxmlformats.org/officeDocument/2006/relationships" xmlns:p="http://schemas.openxmlformats.org/presentationml/2006/main">
+  <p:cSld>
+    <p:spTree>
+      <p:nvGrpSpPr>
+        <p:cNvPr id="1" name=""/>
+        <p:cNvGrpSpPr/>
+        <p:nvPr/>
+      </p:nvGrpSpPr>
+      <p:grpSpPr>
+        <a:xfrm>
+          <a:off x="0" y="0"/>
+          <a:ext cx="0" cy="0"/>
+          <a:chOff x="0" y="0"/>
+          <a:chExt cx="0" cy="0"/>
+        </a:xfrm>
+      </p:grpSpPr>
+      <p:sp>
+        <p:nvSpPr>
+          <p:cNvPr id="2" name="Title 1">
+            <a:extLst>
+              <a:ext uri="{FF2B5EF4-FFF2-40B4-BE49-F238E27FC236}">
                 <a16:creationId xmlns:a16="http://schemas.microsoft.com/office/drawing/2014/main" id="{37835192-E548-C745-BCFE-3ECA89BF39E7}"/>
               </a:ext>
             </a:extLst>
@@ -4223,7 +4391,7 @@
 </p:sld>
 </file>
 
-<file path=ppt/slides/slide11.xml><?xml version="1.0" encoding="utf-8"?>
+<file path=ppt/slides/slide12.xml><?xml version="1.0" encoding="utf-8"?>
 <p:sld xmlns:a="http://schemas.openxmlformats.org/drawingml/2006/main" xmlns:r="http://schemas.openxmlformats.org/officeDocument/2006/relationships" xmlns:p="http://schemas.openxmlformats.org/presentationml/2006/main">
   <p:cSld>
     <p:spTree>
@@ -6369,7 +6537,7 @@
 </p:sld>
 </file>
 
-<file path=ppt/slides/slide12.xml><?xml version="1.0" encoding="utf-8"?>
+<file path=ppt/slides/slide13.xml><?xml version="1.0" encoding="utf-8"?>
 <p:sld xmlns:a="http://schemas.openxmlformats.org/drawingml/2006/main" xmlns:r="http://schemas.openxmlformats.org/officeDocument/2006/relationships" xmlns:p="http://schemas.openxmlformats.org/presentationml/2006/main">
   <p:cSld>
     <p:spTree>
@@ -8138,7 +8306,7 @@
 </p:sld>
 </file>
 
-<file path=ppt/slides/slide13.xml><?xml version="1.0" encoding="utf-8"?>
+<file path=ppt/slides/slide14.xml><?xml version="1.0" encoding="utf-8"?>
 <p:sld xmlns:a="http://schemas.openxmlformats.org/drawingml/2006/main" xmlns:r="http://schemas.openxmlformats.org/officeDocument/2006/relationships" xmlns:p="http://schemas.openxmlformats.org/presentationml/2006/main">
   <p:cSld>
     <p:spTree>
@@ -9113,7 +9281,7 @@
 </p:sld>
 </file>
 
-<file path=ppt/slides/slide14.xml><?xml version="1.0" encoding="utf-8"?>
+<file path=ppt/slides/slide15.xml><?xml version="1.0" encoding="utf-8"?>
 <p:sld xmlns:a="http://schemas.openxmlformats.org/drawingml/2006/main" xmlns:r="http://schemas.openxmlformats.org/officeDocument/2006/relationships" xmlns:p="http://schemas.openxmlformats.org/presentationml/2006/main">
   <p:cSld>
     <p:spTree>
@@ -10825,7 +10993,7 @@
 </p:sld>
 </file>
 
-<file path=ppt/slides/slide15.xml><?xml version="1.0" encoding="utf-8"?>
+<file path=ppt/slides/slide16.xml><?xml version="1.0" encoding="utf-8"?>
 <p:sld xmlns:a="http://schemas.openxmlformats.org/drawingml/2006/main" xmlns:r="http://schemas.openxmlformats.org/officeDocument/2006/relationships" xmlns:p="http://schemas.openxmlformats.org/presentationml/2006/main">
   <p:cSld>
     <p:spTree>
@@ -11017,7 +11185,7 @@
 </p:sld>
 </file>
 
-<file path=ppt/slides/slide16.xml><?xml version="1.0" encoding="utf-8"?>
+<file path=ppt/slides/slide17.xml><?xml version="1.0" encoding="utf-8"?>
 <p:sld xmlns:a="http://schemas.openxmlformats.org/drawingml/2006/main" xmlns:r="http://schemas.openxmlformats.org/officeDocument/2006/relationships" xmlns:p="http://schemas.openxmlformats.org/presentationml/2006/main">
   <p:cSld>
     <p:spTree>
@@ -12493,7 +12661,7 @@
           <p:cNvPr id="2" name="Title 1">
             <a:extLst>
               <a:ext uri="{FF2B5EF4-FFF2-40B4-BE49-F238E27FC236}">
-                <a16:creationId xmlns:a16="http://schemas.microsoft.com/office/drawing/2014/main" id="{28939157-5227-674C-8D28-7C90AEFE0F37}"/>
+                <a16:creationId xmlns:a16="http://schemas.microsoft.com/office/drawing/2014/main" id="{F12E9D7F-6164-8548-B1B9-35A856FB26DA}"/>
               </a:ext>
             </a:extLst>
           </p:cNvPr>
@@ -12511,87 +12679,105 @@
           <a:p>
             <a:r>
               <a:rPr lang="en-US" dirty="0"/>
-              <a:t>Results</a:t>
+              <a:t>Approach</a:t>
             </a:r>
           </a:p>
         </p:txBody>
       </p:sp>
       <p:sp>
         <p:nvSpPr>
-          <p:cNvPr id="3" name="Content Placeholder 2">
+          <p:cNvPr id="3" name="Rectangle 2">
             <a:extLst>
               <a:ext uri="{FF2B5EF4-FFF2-40B4-BE49-F238E27FC236}">
-                <a16:creationId xmlns:a16="http://schemas.microsoft.com/office/drawing/2014/main" id="{3FBC22AB-2CC7-8B46-9CC1-63FE5D348D58}"/>
+                <a16:creationId xmlns:a16="http://schemas.microsoft.com/office/drawing/2014/main" id="{DBB0574C-26F7-D944-A4F9-3E9B928F2FAD}"/>
               </a:ext>
             </a:extLst>
           </p:cNvPr>
-          <p:cNvSpPr>
-            <a:spLocks noGrp="1"/>
-          </p:cNvSpPr>
-          <p:nvPr>
-            <p:ph idx="1"/>
-          </p:nvPr>
+          <p:cNvSpPr/>
+          <p:nvPr/>
         </p:nvSpPr>
-        <p:spPr/>
+        <p:spPr>
+          <a:xfrm>
+            <a:off x="1567542" y="1913561"/>
+            <a:ext cx="1360715" cy="1681048"/>
+          </a:xfrm>
+          <a:prstGeom prst="rect">
+            <a:avLst/>
+          </a:prstGeom>
+        </p:spPr>
+        <p:style>
+          <a:lnRef idx="2">
+            <a:schemeClr val="accent1">
+              <a:shade val="50000"/>
+            </a:schemeClr>
+          </a:lnRef>
+          <a:fillRef idx="1">
+            <a:schemeClr val="accent1"/>
+          </a:fillRef>
+          <a:effectRef idx="0">
+            <a:schemeClr val="accent1"/>
+          </a:effectRef>
+          <a:fontRef idx="minor">
+            <a:schemeClr val="lt1"/>
+          </a:fontRef>
+        </p:style>
         <p:txBody>
-          <a:bodyPr/>
+          <a:bodyPr rtlCol="0" anchor="ctr"/>
           <a:lstStyle/>
           <a:p>
-            <a:pPr marL="514350" indent="-514350">
-              <a:buFont typeface="+mj-lt"/>
-              <a:buAutoNum type="arabicPeriod"/>
-            </a:pPr>
-            <a:r>
-              <a:rPr lang="en-US" dirty="0"/>
-              <a:t>RQ1: Accuracy on Popularity Level Classification.</a:t>
-            </a:r>
-          </a:p>
-          <a:p>
-            <a:pPr marL="514350" indent="-514350">
-              <a:buFont typeface="+mj-lt"/>
-              <a:buAutoNum type="arabicPeriod"/>
-            </a:pPr>
-            <a:r>
-              <a:rPr lang="en-US" dirty="0"/>
-              <a:t>RQ2: Accuracy on Popularity Prediction.</a:t>
-            </a:r>
-          </a:p>
-          <a:p>
-            <a:pPr marL="514350" indent="-514350">
-              <a:buFont typeface="+mj-lt"/>
-              <a:buAutoNum type="arabicPeriod"/>
-            </a:pPr>
-            <a:r>
-              <a:rPr lang="en-US" dirty="0"/>
-              <a:t>RQ3: Tuning on Hyper Parameters of Best ML model.</a:t>
-            </a:r>
-          </a:p>
-          <a:p>
-            <a:pPr marL="971550" lvl="1" indent="-514350">
-              <a:buFont typeface="+mj-lt"/>
-              <a:buAutoNum type="arabicPeriod"/>
-            </a:pPr>
-            <a:r>
-              <a:rPr lang="en-US" dirty="0"/>
-              <a:t>RQ 3.1: SVC Classification.</a:t>
-            </a:r>
-          </a:p>
-          <a:p>
-            <a:pPr marL="971550" lvl="1" indent="-514350">
-              <a:buFont typeface="+mj-lt"/>
-              <a:buAutoNum type="arabicPeriod"/>
-            </a:pPr>
-            <a:r>
-              <a:rPr lang="en-US" dirty="0"/>
-              <a:t>RQ 3.2: </a:t>
-            </a:r>
-            <a:r>
-              <a:rPr lang="en-US" dirty="0" err="1"/>
-              <a:t>XGBoostRegressor</a:t>
-            </a:r>
-            <a:r>
-              <a:rPr lang="en-US" dirty="0"/>
-              <a:t>.</a:t>
+            <a:pPr algn="ctr"/>
+            <a:r>
+              <a:rPr lang="en-US" dirty="0"/>
+              <a:t>Select top-k informative Java files</a:t>
+            </a:r>
+          </a:p>
+        </p:txBody>
+      </p:sp>
+      <p:sp>
+        <p:nvSpPr>
+          <p:cNvPr id="5" name="Rectangle 4">
+            <a:extLst>
+              <a:ext uri="{FF2B5EF4-FFF2-40B4-BE49-F238E27FC236}">
+                <a16:creationId xmlns:a16="http://schemas.microsoft.com/office/drawing/2014/main" id="{2DE03C1F-CB58-2A4A-8625-38FEE9986A43}"/>
+              </a:ext>
+            </a:extLst>
+          </p:cNvPr>
+          <p:cNvSpPr/>
+          <p:nvPr/>
+        </p:nvSpPr>
+        <p:spPr>
+          <a:xfrm>
+            <a:off x="3657599" y="1913561"/>
+            <a:ext cx="1360715" cy="1681048"/>
+          </a:xfrm>
+          <a:prstGeom prst="rect">
+            <a:avLst/>
+          </a:prstGeom>
+        </p:spPr>
+        <p:style>
+          <a:lnRef idx="2">
+            <a:schemeClr val="accent1">
+              <a:shade val="50000"/>
+            </a:schemeClr>
+          </a:lnRef>
+          <a:fillRef idx="1">
+            <a:schemeClr val="accent1"/>
+          </a:fillRef>
+          <a:effectRef idx="0">
+            <a:schemeClr val="accent1"/>
+          </a:effectRef>
+          <a:fontRef idx="minor">
+            <a:schemeClr val="lt1"/>
+          </a:fontRef>
+        </p:style>
+        <p:txBody>
+          <a:bodyPr rtlCol="0" anchor="ctr"/>
+          <a:lstStyle/>
+          <a:p>
+            <a:pPr algn="ctr"/>
+            <a:r>
+              <a:rPr lang="en-US" dirty="0"/>
+              <a:t>Extract AST sequences</a:t>
             </a:r>
           </a:p>
         </p:txBody>
@@ -12599,7 +12785,7 @@
     </p:spTree>
     <p:extLst>
       <p:ext uri="{BB962C8B-B14F-4D97-AF65-F5344CB8AC3E}">
-        <p14:creationId xmlns:p14="http://schemas.microsoft.com/office/powerpoint/2010/main" val="87606575"/>
+        <p14:creationId xmlns:p14="http://schemas.microsoft.com/office/powerpoint/2010/main" val="994604248"/>
       </p:ext>
     </p:extLst>
   </p:cSld>
